--- a/Whiteboard design session/WDS trainer presentation - SAP_plus_extend_and_innovate.pptx
+++ b/Whiteboard design session/WDS trainer presentation - SAP_plus_extend_and_innovate.pptx
@@ -7,7 +7,7 @@
     <p:sldMasterId id="2147483693" r:id="rId6"/>
   </p:sldMasterIdLst>
   <p:notesMasterIdLst>
-    <p:notesMasterId r:id="rId43"/>
+    <p:notesMasterId r:id="rId40"/>
   </p:notesMasterIdLst>
   <p:sldIdLst>
     <p:sldId id="300" r:id="rId7"/>
@@ -20,7 +20,7 @@
     <p:sldId id="400" r:id="rId14"/>
     <p:sldId id="406" r:id="rId15"/>
     <p:sldId id="440" r:id="rId16"/>
-    <p:sldId id="441" r:id="rId17"/>
+    <p:sldId id="322" r:id="rId17"/>
     <p:sldId id="321" r:id="rId18"/>
     <p:sldId id="317" r:id="rId19"/>
     <p:sldId id="374" r:id="rId20"/>
@@ -38,14 +38,11 @@
     <p:sldId id="446" r:id="rId32"/>
     <p:sldId id="447" r:id="rId33"/>
     <p:sldId id="421" r:id="rId34"/>
-    <p:sldId id="422" r:id="rId35"/>
-    <p:sldId id="423" r:id="rId36"/>
-    <p:sldId id="424" r:id="rId37"/>
-    <p:sldId id="425" r:id="rId38"/>
-    <p:sldId id="426" r:id="rId39"/>
-    <p:sldId id="427" r:id="rId40"/>
-    <p:sldId id="384" r:id="rId41"/>
-    <p:sldId id="315" r:id="rId42"/>
+    <p:sldId id="424" r:id="rId35"/>
+    <p:sldId id="426" r:id="rId36"/>
+    <p:sldId id="427" r:id="rId37"/>
+    <p:sldId id="384" r:id="rId38"/>
+    <p:sldId id="315" r:id="rId39"/>
   </p:sldIdLst>
   <p:sldSz cx="12192000" cy="6858000"/>
   <p:notesSz cx="6858000" cy="9144000"/>
@@ -783,71 +780,11 @@
           <a:bodyPr/>
           <a:lstStyle/>
           <a:p>
-            <a:pPr marL="0" marR="0" lvl="0" indent="0" algn="r" defTabSz="914400" rtl="0" eaLnBrk="1" fontAlgn="auto" latinLnBrk="0" hangingPunct="1">
-              <a:lnSpc>
-                <a:spcPct val="100000"/>
-              </a:lnSpc>
-              <a:spcBef>
-                <a:spcPts val="0"/>
-              </a:spcBef>
-              <a:spcAft>
-                <a:spcPts val="0"/>
-              </a:spcAft>
-              <a:buClrTx/>
-              <a:buSzTx/>
-              <a:buFontTx/>
-              <a:buNone/>
-              <a:tabLst/>
-              <a:defRPr/>
-            </a:pPr>
             <a:fld id="{0998D5BB-B127-481F-BC0A-2F77C576BB34}" type="slidenum">
-              <a:rPr kumimoji="0" lang="en-US" sz="1200" b="0" i="0" u="none" strike="noStrike" kern="1200" cap="none" spc="0" normalizeH="0" baseline="0" noProof="0" smtClean="0">
-                <a:ln>
-                  <a:noFill/>
-                </a:ln>
-                <a:solidFill>
-                  <a:prstClr val="black"/>
-                </a:solidFill>
-                <a:effectLst/>
-                <a:uLnTx/>
-                <a:uFillTx/>
-                <a:latin typeface="Calibri" panose="020F0502020204030204"/>
-                <a:ea typeface="+mn-ea"/>
-                <a:cs typeface="+mn-cs"/>
-              </a:rPr>
-              <a:pPr marL="0" marR="0" lvl="0" indent="0" algn="r" defTabSz="914400" rtl="0" eaLnBrk="1" fontAlgn="auto" latinLnBrk="0" hangingPunct="1">
-                <a:lnSpc>
-                  <a:spcPct val="100000"/>
-                </a:lnSpc>
-                <a:spcBef>
-                  <a:spcPts val="0"/>
-                </a:spcBef>
-                <a:spcAft>
-                  <a:spcPts val="0"/>
-                </a:spcAft>
-                <a:buClrTx/>
-                <a:buSzTx/>
-                <a:buFontTx/>
-                <a:buNone/>
-                <a:tabLst/>
-                <a:defRPr/>
-              </a:pPr>
+              <a:rPr lang="en-US" smtClean="0"/>
               <a:t>11</a:t>
             </a:fld>
-            <a:endParaRPr kumimoji="0" lang="en-US" sz="1200" b="0" i="0" u="none" strike="noStrike" kern="1200" cap="none" spc="0" normalizeH="0" baseline="0" noProof="0" dirty="0">
-              <a:ln>
-                <a:noFill/>
-              </a:ln>
-              <a:solidFill>
-                <a:prstClr val="black"/>
-              </a:solidFill>
-              <a:effectLst/>
-              <a:uLnTx/>
-              <a:uFillTx/>
-              <a:latin typeface="Calibri" panose="020F0502020204030204"/>
-              <a:ea typeface="+mn-ea"/>
-              <a:cs typeface="+mn-cs"/>
-            </a:endParaRPr>
+            <a:endParaRPr lang="en-US" dirty="0"/>
           </a:p>
         </p:txBody>
       </p:sp>
@@ -2951,6 +2888,60 @@
           <a:bodyPr/>
           <a:lstStyle/>
           <a:p>
+            <a:r>
+              <a:rPr lang="en-US" b="0" dirty="0">
+                <a:solidFill>
+                  <a:srgbClr val="D4D4D4"/>
+                </a:solidFill>
+                <a:effectLst/>
+                <a:latin typeface="Consolas" panose="020B0609020204030204" pitchFamily="49" charset="0"/>
+              </a:rPr>
+              <a:t>Our staff is already working overtime we don’t want staff to be distracted by a new process and reviewing large reports with tons of data. The accounting and finance departments want a centralized system to create dashboards, share critical data, and automate repetitive manual tasks.  They do not have months to learn a complex tool or wait for IT to create reports for them.</a:t>
+            </a:r>
+          </a:p>
+          <a:p>
+            <a:endParaRPr lang="en-US" b="0" dirty="0">
+              <a:solidFill>
+                <a:srgbClr val="D4D4D4"/>
+              </a:solidFill>
+              <a:effectLst/>
+              <a:latin typeface="Consolas" panose="020B0609020204030204" pitchFamily="49" charset="0"/>
+            </a:endParaRPr>
+          </a:p>
+          <a:p>
+            <a:r>
+              <a:rPr lang="en-US" b="0" dirty="0">
+                <a:solidFill>
+                  <a:srgbClr val="D4D4D4"/>
+                </a:solidFill>
+                <a:effectLst/>
+                <a:latin typeface="Consolas" panose="020B0609020204030204" pitchFamily="49" charset="0"/>
+              </a:rPr>
+              <a:t>Power BI is a collection of software services, apps, and connectors that work together to turn your unrelated sources of data into coherent, visually immersive, and interactive insights. Users have the ability to create and share/publish amazing reports without involving IT. Instead of reviewing thousands of rows of data, users can filter and display information using secure interactive web-based charts in seconds. Data refreshes can be scheduled allowing data owners to focus on higher priority tasks and consumers to see up to date information in one central location.</a:t>
+            </a:r>
+          </a:p>
+          <a:p>
+            <a:br>
+              <a:rPr lang="en-US" b="0" dirty="0">
+                <a:solidFill>
+                  <a:srgbClr val="D4D4D4"/>
+                </a:solidFill>
+                <a:effectLst/>
+                <a:latin typeface="Consolas" panose="020B0609020204030204" pitchFamily="49" charset="0"/>
+              </a:rPr>
+            </a:br>
+            <a:r>
+              <a:rPr lang="en-US" b="0" dirty="0">
+                <a:solidFill>
+                  <a:srgbClr val="D4D4D4"/>
+                </a:solidFill>
+                <a:effectLst/>
+                <a:latin typeface="Consolas" panose="020B0609020204030204" pitchFamily="49" charset="0"/>
+              </a:rPr>
+              <a:t>Many of the data cleaning, shaping, and filtering tools, like Power Query, found in Excel are available in Power BI. Report creators have a familiar easy to use common development experience making the adoption barrier very low.</a:t>
+            </a:r>
+          </a:p>
+          <a:p>
             <a:endParaRPr lang="en-US" dirty="0"/>
           </a:p>
         </p:txBody>
@@ -2981,7 +2972,7 @@
     </p:spTree>
     <p:extLst>
       <p:ext uri="{BB962C8B-B14F-4D97-AF65-F5344CB8AC3E}">
-        <p14:creationId xmlns:p14="http://schemas.microsoft.com/office/powerpoint/2010/main" val="3229424036"/>
+        <p14:creationId xmlns:p14="http://schemas.microsoft.com/office/powerpoint/2010/main" val="3608975843"/>
       </p:ext>
     </p:extLst>
   </p:cSld>
@@ -3035,6 +3026,81 @@
           <a:bodyPr/>
           <a:lstStyle/>
           <a:p>
+            <a:r>
+              <a:rPr lang="en-US" b="0" dirty="0">
+                <a:solidFill>
+                  <a:srgbClr val="D4D4D4"/>
+                </a:solidFill>
+                <a:effectLst/>
+                <a:latin typeface="Consolas" panose="020B0609020204030204" pitchFamily="49" charset="0"/>
+              </a:rPr>
+              <a:t>Predicting cash flows seems very appealing.  We have heard that creating a machine learning model takes a month to build and another 2-3 months to operationalize to be useable from our production systems. Is this true?</a:t>
+            </a:r>
+          </a:p>
+          <a:p>
+            <a:br>
+              <a:rPr lang="en-US" b="0" dirty="0">
+                <a:solidFill>
+                  <a:srgbClr val="D4D4D4"/>
+                </a:solidFill>
+                <a:effectLst/>
+                <a:latin typeface="Consolas" panose="020B0609020204030204" pitchFamily="49" charset="0"/>
+              </a:rPr>
+            </a:br>
+            <a:r>
+              <a:rPr lang="en-US" b="0" dirty="0">
+                <a:solidFill>
+                  <a:srgbClr val="D4D4D4"/>
+                </a:solidFill>
+                <a:effectLst/>
+                <a:latin typeface="Consolas" panose="020B0609020204030204" pitchFamily="49" charset="0"/>
+              </a:rPr>
+              <a:t>This is true in the traditional process of creating machine learning models. The data scientist creates and tests a model (for example, in Python). This can take several iterations. Once the model is complete, the data scientist hands it over to developers who can integrate it into their custom application. This is called operationalizing the model. Monitoring needs to be configured and tested.</a:t>
+            </a:r>
+          </a:p>
+          <a:p>
+            <a:br>
+              <a:rPr lang="en-US" b="0" dirty="0">
+                <a:solidFill>
+                  <a:srgbClr val="D4D4D4"/>
+                </a:solidFill>
+                <a:effectLst/>
+                <a:latin typeface="Consolas" panose="020B0609020204030204" pitchFamily="49" charset="0"/>
+              </a:rPr>
+            </a:br>
+            <a:r>
+              <a:rPr lang="en-US" b="0" dirty="0">
+                <a:solidFill>
+                  <a:srgbClr val="D4D4D4"/>
+                </a:solidFill>
+                <a:effectLst/>
+                <a:latin typeface="Consolas" panose="020B0609020204030204" pitchFamily="49" charset="0"/>
+              </a:rPr>
+              <a:t>Azure ML has made it easier to build, test, deploy, and monitor machine models. All the resources required to build, scale, maintain, and secure your model are in one place.  </a:t>
+            </a:r>
+          </a:p>
+          <a:p>
+            <a:br>
+              <a:rPr lang="en-US" b="0" dirty="0">
+                <a:solidFill>
+                  <a:srgbClr val="D4D4D4"/>
+                </a:solidFill>
+                <a:effectLst/>
+                <a:latin typeface="Consolas" panose="020B0609020204030204" pitchFamily="49" charset="0"/>
+              </a:rPr>
+            </a:br>
+            <a:r>
+              <a:rPr lang="en-US" b="0" dirty="0">
+                <a:solidFill>
+                  <a:srgbClr val="D4D4D4"/>
+                </a:solidFill>
+                <a:effectLst/>
+                <a:latin typeface="Consolas" panose="020B0609020204030204" pitchFamily="49" charset="0"/>
+              </a:rPr>
+              <a:t>Azure Automated ML allows developers to automate time-consuming iterative tasks. Users can create an end to end machine learning pipeline to produce models. Solutions can be created quickly without an extensive programming knowledge all the while leveraging best practices. Standard business scenarios like classification, regression, time series forecasting are already built in. You can upload your sample dataset and Auto ML will recommend the best model for you rapidly based on the metrics you choose. Model deployment can be completed with a single click. Model refinement can be done using the built-in drag and drop designer. You can execute your model tests and review the history. The deployed model can be exposed as a REST API to other services like Power BI. All this functionality is found in one tool.</a:t>
+            </a:r>
+          </a:p>
+          <a:p>
             <a:endParaRPr lang="en-US" dirty="0"/>
           </a:p>
         </p:txBody>
@@ -3065,7 +3131,7 @@
     </p:spTree>
     <p:extLst>
       <p:ext uri="{BB962C8B-B14F-4D97-AF65-F5344CB8AC3E}">
-        <p14:creationId xmlns:p14="http://schemas.microsoft.com/office/powerpoint/2010/main" val="1704606728"/>
+        <p14:creationId xmlns:p14="http://schemas.microsoft.com/office/powerpoint/2010/main" val="805470391"/>
       </p:ext>
     </p:extLst>
   </p:cSld>
@@ -3203,6 +3269,27 @@
           <a:bodyPr/>
           <a:lstStyle/>
           <a:p>
+            <a:r>
+              <a:rPr lang="en-US" sz="1200" dirty="0">
+                <a:latin typeface="+mn-lt"/>
+              </a:rPr>
+              <a:t>Management does not want to spend large amounts of money on IT hardware they have to manage on-premises.</a:t>
+            </a:r>
+          </a:p>
+          <a:p>
+            <a:endParaRPr lang="en-US" sz="1200" dirty="0">
+              <a:latin typeface="+mn-lt"/>
+            </a:endParaRPr>
+          </a:p>
+          <a:p>
+            <a:r>
+              <a:rPr lang="en-US" sz="1200" dirty="0">
+                <a:latin typeface="+mn-lt"/>
+              </a:rPr>
+              <a:t>Contoso can expand their current investment in Azure cloud services. There is no need to purchase and manage additional on-premises hardware. They can eliminate capital expenditures and reduce the cost of underutilized hardware with on-demand usage models. </a:t>
+            </a:r>
+          </a:p>
+          <a:p>
             <a:endParaRPr lang="en-US" dirty="0"/>
           </a:p>
         </p:txBody>
@@ -3233,7 +3320,7 @@
     </p:spTree>
     <p:extLst>
       <p:ext uri="{BB962C8B-B14F-4D97-AF65-F5344CB8AC3E}">
-        <p14:creationId xmlns:p14="http://schemas.microsoft.com/office/powerpoint/2010/main" val="3608975843"/>
+        <p14:creationId xmlns:p14="http://schemas.microsoft.com/office/powerpoint/2010/main" val="1885222641"/>
       </p:ext>
     </p:extLst>
   </p:cSld>
@@ -3298,7 +3385,7 @@
             <a:spLocks noGrp="1"/>
           </p:cNvSpPr>
           <p:nvPr>
-            <p:ph type="sldNum" sz="quarter" idx="10"/>
+            <p:ph type="sldNum" sz="quarter" idx="5"/>
           </p:nvPr>
         </p:nvSpPr>
         <p:spPr/>
@@ -3317,7 +3404,7 @@
     </p:spTree>
     <p:extLst>
       <p:ext uri="{BB962C8B-B14F-4D97-AF65-F5344CB8AC3E}">
-        <p14:creationId xmlns:p14="http://schemas.microsoft.com/office/powerpoint/2010/main" val="2826608365"/>
+        <p14:creationId xmlns:p14="http://schemas.microsoft.com/office/powerpoint/2010/main" val="1353695823"/>
       </p:ext>
     </p:extLst>
   </p:cSld>
@@ -3328,174 +3415,6 @@
 </file>
 
 <file path=ppt/notesSlides/notesSlide32.xml><?xml version="1.0" encoding="utf-8"?>
-<p:notes xmlns:a="http://schemas.openxmlformats.org/drawingml/2006/main" xmlns:r="http://schemas.openxmlformats.org/officeDocument/2006/relationships" xmlns:p="http://schemas.openxmlformats.org/presentationml/2006/main">
-  <p:cSld>
-    <p:spTree>
-      <p:nvGrpSpPr>
-        <p:cNvPr id="1" name=""/>
-        <p:cNvGrpSpPr/>
-        <p:nvPr/>
-      </p:nvGrpSpPr>
-      <p:grpSpPr>
-        <a:xfrm>
-          <a:off x="0" y="0"/>
-          <a:ext cx="0" cy="0"/>
-          <a:chOff x="0" y="0"/>
-          <a:chExt cx="0" cy="0"/>
-        </a:xfrm>
-      </p:grpSpPr>
-      <p:sp>
-        <p:nvSpPr>
-          <p:cNvPr id="2" name="Slide Image Placeholder 1"/>
-          <p:cNvSpPr>
-            <a:spLocks noGrp="1" noRot="1" noChangeAspect="1"/>
-          </p:cNvSpPr>
-          <p:nvPr>
-            <p:ph type="sldImg"/>
-          </p:nvPr>
-        </p:nvSpPr>
-        <p:spPr/>
-      </p:sp>
-      <p:sp>
-        <p:nvSpPr>
-          <p:cNvPr id="3" name="Notes Placeholder 2"/>
-          <p:cNvSpPr>
-            <a:spLocks noGrp="1"/>
-          </p:cNvSpPr>
-          <p:nvPr>
-            <p:ph type="body" idx="1"/>
-          </p:nvPr>
-        </p:nvSpPr>
-        <p:spPr/>
-        <p:txBody>
-          <a:bodyPr/>
-          <a:lstStyle/>
-          <a:p>
-            <a:endParaRPr lang="en-US" dirty="0"/>
-          </a:p>
-        </p:txBody>
-      </p:sp>
-      <p:sp>
-        <p:nvSpPr>
-          <p:cNvPr id="4" name="Slide Number Placeholder 3"/>
-          <p:cNvSpPr>
-            <a:spLocks noGrp="1"/>
-          </p:cNvSpPr>
-          <p:nvPr>
-            <p:ph type="sldNum" sz="quarter" idx="10"/>
-          </p:nvPr>
-        </p:nvSpPr>
-        <p:spPr/>
-        <p:txBody>
-          <a:bodyPr/>
-          <a:lstStyle/>
-          <a:p>
-            <a:fld id="{0998D5BB-B127-481F-BC0A-2F77C576BB34}" type="slidenum">
-              <a:rPr lang="en-US" smtClean="0"/>
-              <a:t>33</a:t>
-            </a:fld>
-            <a:endParaRPr lang="en-US" dirty="0"/>
-          </a:p>
-        </p:txBody>
-      </p:sp>
-    </p:spTree>
-    <p:extLst>
-      <p:ext uri="{BB962C8B-B14F-4D97-AF65-F5344CB8AC3E}">
-        <p14:creationId xmlns:p14="http://schemas.microsoft.com/office/powerpoint/2010/main" val="805470391"/>
-      </p:ext>
-    </p:extLst>
-  </p:cSld>
-  <p:clrMapOvr>
-    <a:masterClrMapping/>
-  </p:clrMapOvr>
-</p:notes>
-</file>
-
-<file path=ppt/notesSlides/notesSlide33.xml><?xml version="1.0" encoding="utf-8"?>
-<p:notes xmlns:a="http://schemas.openxmlformats.org/drawingml/2006/main" xmlns:r="http://schemas.openxmlformats.org/officeDocument/2006/relationships" xmlns:p="http://schemas.openxmlformats.org/presentationml/2006/main">
-  <p:cSld>
-    <p:spTree>
-      <p:nvGrpSpPr>
-        <p:cNvPr id="1" name=""/>
-        <p:cNvGrpSpPr/>
-        <p:nvPr/>
-      </p:nvGrpSpPr>
-      <p:grpSpPr>
-        <a:xfrm>
-          <a:off x="0" y="0"/>
-          <a:ext cx="0" cy="0"/>
-          <a:chOff x="0" y="0"/>
-          <a:chExt cx="0" cy="0"/>
-        </a:xfrm>
-      </p:grpSpPr>
-      <p:sp>
-        <p:nvSpPr>
-          <p:cNvPr id="2" name="Slide Image Placeholder 1"/>
-          <p:cNvSpPr>
-            <a:spLocks noGrp="1" noRot="1" noChangeAspect="1"/>
-          </p:cNvSpPr>
-          <p:nvPr>
-            <p:ph type="sldImg"/>
-          </p:nvPr>
-        </p:nvSpPr>
-        <p:spPr/>
-      </p:sp>
-      <p:sp>
-        <p:nvSpPr>
-          <p:cNvPr id="3" name="Notes Placeholder 2"/>
-          <p:cNvSpPr>
-            <a:spLocks noGrp="1"/>
-          </p:cNvSpPr>
-          <p:nvPr>
-            <p:ph type="body" idx="1"/>
-          </p:nvPr>
-        </p:nvSpPr>
-        <p:spPr/>
-        <p:txBody>
-          <a:bodyPr/>
-          <a:lstStyle/>
-          <a:p>
-            <a:endParaRPr lang="en-US" dirty="0"/>
-          </a:p>
-        </p:txBody>
-      </p:sp>
-      <p:sp>
-        <p:nvSpPr>
-          <p:cNvPr id="4" name="Slide Number Placeholder 3"/>
-          <p:cNvSpPr>
-            <a:spLocks noGrp="1"/>
-          </p:cNvSpPr>
-          <p:nvPr>
-            <p:ph type="sldNum" sz="quarter" idx="10"/>
-          </p:nvPr>
-        </p:nvSpPr>
-        <p:spPr/>
-        <p:txBody>
-          <a:bodyPr/>
-          <a:lstStyle/>
-          <a:p>
-            <a:fld id="{0998D5BB-B127-481F-BC0A-2F77C576BB34}" type="slidenum">
-              <a:rPr lang="en-US" smtClean="0"/>
-              <a:t>34</a:t>
-            </a:fld>
-            <a:endParaRPr lang="en-US" dirty="0"/>
-          </a:p>
-        </p:txBody>
-      </p:sp>
-    </p:spTree>
-    <p:extLst>
-      <p:ext uri="{BB962C8B-B14F-4D97-AF65-F5344CB8AC3E}">
-        <p14:creationId xmlns:p14="http://schemas.microsoft.com/office/powerpoint/2010/main" val="1885222641"/>
-      </p:ext>
-    </p:extLst>
-  </p:cSld>
-  <p:clrMapOvr>
-    <a:masterClrMapping/>
-  </p:clrMapOvr>
-</p:notes>
-</file>
-
-<file path=ppt/notesSlides/notesSlide34.xml><?xml version="1.0" encoding="utf-8"?>
 <p:notes xmlns:a="http://schemas.openxmlformats.org/drawingml/2006/main" xmlns:r="http://schemas.openxmlformats.org/officeDocument/2006/relationships" xmlns:p="http://schemas.openxmlformats.org/presentationml/2006/main">
   <p:cSld>
     <p:spTree>
@@ -3634,7 +3553,7 @@
                 </a:solidFill>
               </a:rPr>
               <a:pPr/>
-              <a:t>36</a:t>
+              <a:t>33</a:t>
             </a:fld>
             <a:endParaRPr lang="en-US" dirty="0">
               <a:solidFill>
@@ -25598,528 +25517,208 @@
           </a:bodyPr>
           <a:lstStyle/>
           <a:p>
-            <a:pPr marL="0" marR="0" lvl="0" indent="0" algn="l" defTabSz="914400" rtl="0" eaLnBrk="1" fontAlgn="auto" latinLnBrk="0" hangingPunct="1">
+            <a:pPr>
               <a:lnSpc>
                 <a:spcPct val="90000"/>
               </a:lnSpc>
-              <a:spcBef>
-                <a:spcPts val="0"/>
-              </a:spcBef>
               <a:spcAft>
                 <a:spcPts val="600"/>
               </a:spcAft>
-              <a:buClrTx/>
-              <a:buSzTx/>
-              <a:buFontTx/>
-              <a:buNone/>
-              <a:tabLst/>
-              <a:defRPr/>
             </a:pPr>
             <a:r>
-              <a:rPr kumimoji="0" lang="en-US" sz="3600" b="0" i="0" u="none" strike="noStrike" kern="1200" cap="none" spc="0" normalizeH="0" baseline="0" noProof="0" dirty="0">
-                <a:ln>
-                  <a:noFill/>
-                </a:ln>
-                <a:solidFill>
-                  <a:srgbClr val="FFFFFF"/>
-                </a:solidFill>
-                <a:effectLst/>
-                <a:uLnTx/>
-                <a:uFillTx/>
-                <a:latin typeface="Segoe UI Light"/>
-                <a:ea typeface="+mn-ea"/>
-                <a:cs typeface="+mn-cs"/>
+              <a:rPr lang="en-US" sz="3600" dirty="0">
+                <a:latin typeface="+mj-lt"/>
               </a:rPr>
               <a:t>Outcome</a:t>
             </a:r>
           </a:p>
           <a:p>
-            <a:pPr marL="0" marR="0" lvl="0" indent="0" algn="l" defTabSz="914400" rtl="0" eaLnBrk="1" fontAlgn="auto" latinLnBrk="0" hangingPunct="1">
+            <a:pPr>
               <a:lnSpc>
                 <a:spcPct val="90000"/>
               </a:lnSpc>
-              <a:spcBef>
-                <a:spcPts val="0"/>
-              </a:spcBef>
               <a:spcAft>
                 <a:spcPts val="600"/>
               </a:spcAft>
-              <a:buClrTx/>
-              <a:buSzTx/>
-              <a:buFontTx/>
-              <a:buNone/>
-              <a:tabLst/>
-              <a:defRPr/>
             </a:pPr>
             <a:r>
-              <a:rPr kumimoji="0" lang="en-US" sz="2400" b="0" i="0" u="none" strike="noStrike" kern="1200" cap="none" spc="0" normalizeH="0" baseline="0" noProof="0" dirty="0">
-                <a:ln>
-                  <a:noFill/>
-                </a:ln>
-                <a:solidFill>
-                  <a:srgbClr val="FFFFFF"/>
-                </a:solidFill>
-                <a:effectLst/>
-                <a:uLnTx/>
-                <a:uFillTx/>
+              <a:rPr lang="en-US" sz="2400" dirty="0">
                 <a:latin typeface="Segoe UI Semilight" panose="020B0402040204020203" pitchFamily="34" charset="0"/>
-                <a:ea typeface="+mn-ea"/>
                 <a:cs typeface="Segoe UI Semilight" panose="020B0402040204020203" pitchFamily="34" charset="0"/>
               </a:rPr>
               <a:t>Present a solution to the target customer in a 15-minute chalk-talk format. </a:t>
             </a:r>
-            <a:endParaRPr kumimoji="0" lang="en-US" sz="3600" b="0" i="0" u="none" strike="noStrike" kern="1200" cap="none" spc="0" normalizeH="0" baseline="0" noProof="0" dirty="0">
-              <a:ln>
-                <a:noFill/>
-              </a:ln>
-              <a:solidFill>
-                <a:srgbClr val="FFFFFF"/>
-              </a:solidFill>
-              <a:effectLst/>
-              <a:uLnTx/>
-              <a:uFillTx/>
-              <a:latin typeface="Segoe UI Light"/>
-              <a:ea typeface="+mn-ea"/>
-              <a:cs typeface="+mn-cs"/>
+            <a:endParaRPr lang="en-US" sz="3600" dirty="0">
+              <a:latin typeface="+mj-lt"/>
             </a:endParaRPr>
           </a:p>
           <a:p>
-            <a:pPr marL="0" marR="0" lvl="0" indent="0" algn="l" defTabSz="914400" rtl="0" eaLnBrk="1" fontAlgn="auto" latinLnBrk="0" hangingPunct="1">
+            <a:pPr>
               <a:lnSpc>
                 <a:spcPct val="90000"/>
               </a:lnSpc>
-              <a:spcBef>
-                <a:spcPts val="0"/>
-              </a:spcBef>
               <a:spcAft>
                 <a:spcPts val="600"/>
               </a:spcAft>
-              <a:buClrTx/>
-              <a:buSzTx/>
-              <a:buFontTx/>
-              <a:buNone/>
-              <a:tabLst/>
-              <a:defRPr/>
             </a:pPr>
-            <a:endParaRPr kumimoji="0" lang="en-US" sz="1600" b="0" i="0" u="none" strike="noStrike" kern="1200" cap="none" spc="0" normalizeH="0" baseline="0" noProof="0" dirty="0">
-              <a:ln>
-                <a:noFill/>
-              </a:ln>
-              <a:solidFill>
-                <a:srgbClr val="FFFFFF"/>
-              </a:solidFill>
-              <a:effectLst/>
-              <a:uLnTx/>
-              <a:uFillTx/>
-              <a:latin typeface="Segoe UI Light"/>
-              <a:ea typeface="+mn-ea"/>
-              <a:cs typeface="+mn-cs"/>
+            <a:endParaRPr lang="en-US" sz="1600" dirty="0">
+              <a:latin typeface="+mj-lt"/>
             </a:endParaRPr>
           </a:p>
           <a:p>
-            <a:pPr marL="0" marR="0" lvl="0" indent="0" algn="l" defTabSz="914400" rtl="0" eaLnBrk="1" fontAlgn="auto" latinLnBrk="0" hangingPunct="1">
+            <a:pPr>
               <a:lnSpc>
                 <a:spcPct val="90000"/>
               </a:lnSpc>
-              <a:spcBef>
-                <a:spcPts val="0"/>
-              </a:spcBef>
               <a:spcAft>
                 <a:spcPts val="600"/>
               </a:spcAft>
-              <a:buClrTx/>
-              <a:buSzTx/>
-              <a:buFontTx/>
-              <a:buNone/>
-              <a:tabLst/>
-              <a:defRPr/>
             </a:pPr>
             <a:r>
-              <a:rPr kumimoji="0" lang="en-US" sz="3600" b="0" i="0" u="none" strike="noStrike" kern="1200" cap="none" spc="0" normalizeH="0" baseline="0" noProof="0" dirty="0">
-                <a:ln>
-                  <a:noFill/>
-                </a:ln>
-                <a:solidFill>
-                  <a:srgbClr val="FFFFFF"/>
-                </a:solidFill>
-                <a:effectLst/>
-                <a:uLnTx/>
-                <a:uFillTx/>
-                <a:latin typeface="Segoe UI Light"/>
-                <a:ea typeface="+mn-ea"/>
-                <a:cs typeface="+mn-cs"/>
+              <a:rPr lang="en-US" sz="3600" dirty="0">
+                <a:latin typeface="+mj-lt"/>
               </a:rPr>
               <a:t>Timeframe</a:t>
             </a:r>
           </a:p>
           <a:p>
-            <a:pPr marL="0" marR="0" lvl="0" indent="0" algn="l" defTabSz="914400" rtl="0" eaLnBrk="1" fontAlgn="auto" latinLnBrk="0" hangingPunct="1">
+            <a:pPr>
               <a:lnSpc>
                 <a:spcPct val="90000"/>
               </a:lnSpc>
-              <a:spcBef>
-                <a:spcPts val="0"/>
-              </a:spcBef>
               <a:spcAft>
                 <a:spcPts val="600"/>
               </a:spcAft>
-              <a:buClrTx/>
-              <a:buSzTx/>
-              <a:buFontTx/>
-              <a:buNone/>
-              <a:tabLst/>
-              <a:defRPr/>
             </a:pPr>
             <a:r>
-              <a:rPr kumimoji="0" lang="en-US" sz="2400" b="0" i="0" u="none" strike="noStrike" kern="1200" cap="none" spc="0" normalizeH="0" baseline="0" noProof="0" dirty="0">
-                <a:ln>
-                  <a:noFill/>
-                </a:ln>
-                <a:solidFill>
-                  <a:srgbClr val="FFFFFF"/>
-                </a:solidFill>
-                <a:effectLst/>
-                <a:uLnTx/>
-                <a:uFillTx/>
+              <a:rPr lang="en-US" sz="2400" dirty="0">
                 <a:latin typeface="Segoe UI Semilight" panose="020B0402040204020203" pitchFamily="34" charset="0"/>
-                <a:ea typeface="+mn-ea"/>
                 <a:cs typeface="Segoe UI Semilight" panose="020B0402040204020203" pitchFamily="34" charset="0"/>
               </a:rPr>
               <a:t>30 minutes (15 minutes for each team to present and receive feedback) </a:t>
             </a:r>
           </a:p>
           <a:p>
-            <a:pPr marL="0" marR="0" lvl="0" indent="0" algn="l" defTabSz="914400" rtl="0" eaLnBrk="1" fontAlgn="auto" latinLnBrk="0" hangingPunct="1">
+            <a:pPr>
               <a:lnSpc>
                 <a:spcPct val="90000"/>
               </a:lnSpc>
-              <a:spcBef>
-                <a:spcPts val="0"/>
-              </a:spcBef>
               <a:spcAft>
                 <a:spcPts val="600"/>
               </a:spcAft>
-              <a:buClrTx/>
-              <a:buSzTx/>
-              <a:buFontTx/>
-              <a:buNone/>
-              <a:tabLst/>
-              <a:defRPr/>
             </a:pPr>
-            <a:endParaRPr kumimoji="0" lang="en-US" sz="1600" b="0" i="0" u="none" strike="noStrike" kern="1200" cap="none" spc="0" normalizeH="0" baseline="0" noProof="0" dirty="0">
-              <a:ln>
-                <a:noFill/>
-              </a:ln>
-              <a:solidFill>
-                <a:srgbClr val="FFFFFF"/>
-              </a:solidFill>
-              <a:effectLst/>
-              <a:uLnTx/>
-              <a:uFillTx/>
-              <a:latin typeface="Segoe UI Light"/>
-              <a:ea typeface="+mn-ea"/>
-              <a:cs typeface="+mn-cs"/>
+            <a:endParaRPr lang="en-US" sz="1600" dirty="0">
+              <a:latin typeface="+mj-lt"/>
             </a:endParaRPr>
           </a:p>
           <a:p>
-            <a:pPr marL="0" marR="0" lvl="0" indent="0" algn="l" defTabSz="914400" rtl="0" eaLnBrk="1" fontAlgn="auto" latinLnBrk="0" hangingPunct="1">
+            <a:pPr>
               <a:lnSpc>
                 <a:spcPct val="90000"/>
               </a:lnSpc>
-              <a:spcBef>
-                <a:spcPts val="0"/>
-              </a:spcBef>
               <a:spcAft>
                 <a:spcPts val="600"/>
               </a:spcAft>
-              <a:buClrTx/>
-              <a:buSzTx/>
-              <a:buFontTx/>
-              <a:buNone/>
-              <a:tabLst/>
-              <a:defRPr/>
             </a:pPr>
             <a:r>
-              <a:rPr kumimoji="0" lang="en-US" sz="3600" b="0" i="0" u="none" strike="noStrike" kern="1200" cap="none" spc="0" normalizeH="0" baseline="0" noProof="0" dirty="0">
-                <a:ln>
-                  <a:noFill/>
-                </a:ln>
-                <a:solidFill>
-                  <a:srgbClr val="FFFFFF"/>
-                </a:solidFill>
-                <a:effectLst/>
-                <a:uLnTx/>
-                <a:uFillTx/>
-                <a:latin typeface="Segoe UI Light"/>
-                <a:ea typeface="+mn-ea"/>
-                <a:cs typeface="+mn-cs"/>
+              <a:rPr lang="en-US" sz="3600" dirty="0">
+                <a:latin typeface="+mj-lt"/>
               </a:rPr>
               <a:t>Directions</a:t>
             </a:r>
           </a:p>
           <a:p>
-            <a:pPr marL="342900" marR="0" lvl="0" indent="-342900" algn="l" defTabSz="914400" rtl="0" eaLnBrk="1" fontAlgn="auto" latinLnBrk="0" hangingPunct="1">
-              <a:lnSpc>
-                <a:spcPct val="100000"/>
-              </a:lnSpc>
-              <a:spcBef>
-                <a:spcPts val="0"/>
-              </a:spcBef>
-              <a:spcAft>
-                <a:spcPts val="0"/>
-              </a:spcAft>
-              <a:buClrTx/>
-              <a:buSzTx/>
+            <a:pPr marL="342900" lvl="0" indent="-342900">
               <a:buFont typeface="Arial" panose="020B0604020202020204" pitchFamily="34" charset="0"/>
               <a:buChar char="•"/>
-              <a:tabLst/>
-              <a:defRPr/>
             </a:pPr>
             <a:r>
-              <a:rPr kumimoji="0" lang="en-US" sz="2000" b="0" i="0" u="none" strike="noStrike" kern="1200" cap="none" spc="0" normalizeH="0" baseline="0" noProof="0" dirty="0">
-                <a:ln>
-                  <a:noFill/>
-                </a:ln>
-                <a:solidFill>
-                  <a:srgbClr val="FFFFFF"/>
-                </a:solidFill>
-                <a:effectLst/>
-                <a:uLnTx/>
-                <a:uFillTx/>
+              <a:rPr lang="en-US" sz="2000" dirty="0">
                 <a:latin typeface="Segoe UI Semilight" panose="020B0402040204020203" pitchFamily="34" charset="0"/>
-                <a:ea typeface="+mn-ea"/>
                 <a:cs typeface="Segoe UI Semilight" panose="020B0402040204020203" pitchFamily="34" charset="0"/>
               </a:rPr>
               <a:t>Pair with another team.</a:t>
             </a:r>
           </a:p>
           <a:p>
-            <a:pPr marL="342900" marR="0" lvl="0" indent="-342900" algn="l" defTabSz="914400" rtl="0" eaLnBrk="1" fontAlgn="auto" latinLnBrk="0" hangingPunct="1">
-              <a:lnSpc>
-                <a:spcPct val="100000"/>
-              </a:lnSpc>
-              <a:spcBef>
-                <a:spcPts val="0"/>
-              </a:spcBef>
-              <a:spcAft>
-                <a:spcPts val="0"/>
-              </a:spcAft>
-              <a:buClrTx/>
-              <a:buSzTx/>
+            <a:pPr marL="342900" lvl="0" indent="-342900">
               <a:buFont typeface="Arial" panose="020B0604020202020204" pitchFamily="34" charset="0"/>
               <a:buChar char="•"/>
-              <a:tabLst/>
-              <a:defRPr/>
             </a:pPr>
             <a:r>
-              <a:rPr kumimoji="0" lang="en-US" sz="2000" b="0" i="0" u="none" strike="noStrike" kern="1200" cap="none" spc="0" normalizeH="0" baseline="0" noProof="0" dirty="0">
-                <a:ln>
-                  <a:noFill/>
-                </a:ln>
-                <a:solidFill>
-                  <a:srgbClr val="FFFFFF"/>
-                </a:solidFill>
-                <a:effectLst/>
-                <a:uLnTx/>
-                <a:uFillTx/>
+              <a:rPr lang="en-US" sz="2000" dirty="0">
                 <a:latin typeface="Segoe UI Semilight" panose="020B0402040204020203" pitchFamily="34" charset="0"/>
-                <a:ea typeface="+mn-ea"/>
                 <a:cs typeface="Segoe UI Semilight" panose="020B0402040204020203" pitchFamily="34" charset="0"/>
               </a:rPr>
               <a:t>One group is the Microsoft team and the other is the customer.</a:t>
             </a:r>
           </a:p>
           <a:p>
-            <a:pPr marL="342900" marR="0" lvl="0" indent="-342900" algn="l" defTabSz="914400" rtl="0" eaLnBrk="1" fontAlgn="auto" latinLnBrk="0" hangingPunct="1">
-              <a:lnSpc>
-                <a:spcPct val="100000"/>
-              </a:lnSpc>
-              <a:spcBef>
-                <a:spcPts val="0"/>
-              </a:spcBef>
-              <a:spcAft>
-                <a:spcPts val="0"/>
-              </a:spcAft>
-              <a:buClrTx/>
-              <a:buSzTx/>
+            <a:pPr marL="342900" lvl="0" indent="-342900">
               <a:buFont typeface="Arial" panose="020B0604020202020204" pitchFamily="34" charset="0"/>
               <a:buChar char="•"/>
-              <a:tabLst/>
-              <a:defRPr/>
             </a:pPr>
             <a:r>
-              <a:rPr kumimoji="0" lang="en-US" sz="2000" b="0" i="0" u="none" strike="noStrike" kern="1200" cap="none" spc="0" normalizeH="0" baseline="0" noProof="0" dirty="0">
-                <a:ln>
-                  <a:noFill/>
-                </a:ln>
-                <a:solidFill>
-                  <a:srgbClr val="FFFFFF"/>
-                </a:solidFill>
-                <a:effectLst/>
-                <a:uLnTx/>
-                <a:uFillTx/>
+              <a:rPr lang="en-US" sz="2000" dirty="0">
                 <a:latin typeface="Segoe UI Semilight" panose="020B0402040204020203" pitchFamily="34" charset="0"/>
-                <a:ea typeface="+mn-ea"/>
                 <a:cs typeface="Segoe UI Semilight" panose="020B0402040204020203" pitchFamily="34" charset="0"/>
               </a:rPr>
               <a:t>The Microsoft team presents their proposed solution to the customer.</a:t>
             </a:r>
           </a:p>
           <a:p>
-            <a:pPr marL="342900" marR="0" lvl="0" indent="-342900" algn="l" defTabSz="914400" rtl="0" eaLnBrk="1" fontAlgn="auto" latinLnBrk="0" hangingPunct="1">
-              <a:lnSpc>
-                <a:spcPct val="100000"/>
-              </a:lnSpc>
-              <a:spcBef>
-                <a:spcPts val="0"/>
-              </a:spcBef>
-              <a:spcAft>
-                <a:spcPts val="0"/>
-              </a:spcAft>
-              <a:buClrTx/>
-              <a:buSzTx/>
+            <a:pPr marL="342900" lvl="0" indent="-342900">
               <a:buFont typeface="Arial" panose="020B0604020202020204" pitchFamily="34" charset="0"/>
               <a:buChar char="•"/>
-              <a:tabLst/>
-              <a:defRPr/>
             </a:pPr>
             <a:r>
-              <a:rPr kumimoji="0" lang="en-US" sz="2000" b="0" i="0" u="none" strike="noStrike" kern="1200" cap="none" spc="0" normalizeH="0" baseline="0" noProof="0" dirty="0">
-                <a:ln>
-                  <a:noFill/>
-                </a:ln>
-                <a:solidFill>
-                  <a:srgbClr val="FFFFFF"/>
-                </a:solidFill>
-                <a:effectLst/>
-                <a:uLnTx/>
-                <a:uFillTx/>
+              <a:rPr lang="en-US" sz="2000" dirty="0">
                 <a:latin typeface="Segoe UI Semilight" panose="020B0402040204020203" pitchFamily="34" charset="0"/>
-                <a:ea typeface="+mn-ea"/>
                 <a:cs typeface="Segoe UI Semilight" panose="020B0402040204020203" pitchFamily="34" charset="0"/>
               </a:rPr>
               <a:t>The customer asks one of the objections from the list of objections in the case study.</a:t>
             </a:r>
           </a:p>
           <a:p>
-            <a:pPr marL="342900" marR="0" lvl="0" indent="-342900" algn="l" defTabSz="914400" rtl="0" eaLnBrk="1" fontAlgn="auto" latinLnBrk="0" hangingPunct="1">
-              <a:lnSpc>
-                <a:spcPct val="100000"/>
-              </a:lnSpc>
-              <a:spcBef>
-                <a:spcPts val="0"/>
-              </a:spcBef>
-              <a:spcAft>
-                <a:spcPts val="0"/>
-              </a:spcAft>
-              <a:buClrTx/>
-              <a:buSzTx/>
+            <a:pPr marL="342900" lvl="0" indent="-342900">
               <a:buFont typeface="Arial" panose="020B0604020202020204" pitchFamily="34" charset="0"/>
               <a:buChar char="•"/>
-              <a:tabLst/>
-              <a:defRPr/>
             </a:pPr>
             <a:r>
-              <a:rPr kumimoji="0" lang="en-US" sz="2000" b="0" i="0" u="none" strike="noStrike" kern="1200" cap="none" spc="0" normalizeH="0" baseline="0" noProof="0" dirty="0">
-                <a:ln>
-                  <a:noFill/>
-                </a:ln>
-                <a:solidFill>
-                  <a:srgbClr val="FFFFFF"/>
-                </a:solidFill>
-                <a:effectLst/>
-                <a:uLnTx/>
-                <a:uFillTx/>
+              <a:rPr lang="en-US" sz="2000" dirty="0">
                 <a:latin typeface="Segoe UI Semilight" panose="020B0402040204020203" pitchFamily="34" charset="0"/>
-                <a:ea typeface="+mn-ea"/>
                 <a:cs typeface="Segoe UI Semilight" panose="020B0402040204020203" pitchFamily="34" charset="0"/>
               </a:rPr>
               <a:t>The Microsoft team responds to the objection.</a:t>
             </a:r>
           </a:p>
           <a:p>
-            <a:pPr marL="342900" marR="0" lvl="0" indent="-342900" algn="l" defTabSz="914400" rtl="0" eaLnBrk="1" fontAlgn="auto" latinLnBrk="0" hangingPunct="1">
-              <a:lnSpc>
-                <a:spcPct val="100000"/>
-              </a:lnSpc>
-              <a:spcBef>
-                <a:spcPts val="0"/>
-              </a:spcBef>
-              <a:spcAft>
-                <a:spcPts val="0"/>
-              </a:spcAft>
-              <a:buClrTx/>
-              <a:buSzTx/>
+            <a:pPr marL="342900" lvl="0" indent="-342900">
               <a:buFont typeface="Arial" panose="020B0604020202020204" pitchFamily="34" charset="0"/>
               <a:buChar char="•"/>
-              <a:tabLst/>
-              <a:defRPr/>
             </a:pPr>
             <a:r>
-              <a:rPr kumimoji="0" lang="en-US" sz="2000" b="0" i="0" u="none" strike="noStrike" kern="1200" cap="none" spc="0" normalizeH="0" baseline="0" noProof="0" dirty="0">
-                <a:ln>
-                  <a:noFill/>
-                </a:ln>
-                <a:solidFill>
-                  <a:srgbClr val="FFFFFF"/>
-                </a:solidFill>
-                <a:effectLst/>
-                <a:uLnTx/>
-                <a:uFillTx/>
+              <a:rPr lang="en-US" sz="2000" dirty="0">
                 <a:latin typeface="Segoe UI Semilight" panose="020B0402040204020203" pitchFamily="34" charset="0"/>
-                <a:ea typeface="+mn-ea"/>
                 <a:cs typeface="Segoe UI Semilight" panose="020B0402040204020203" pitchFamily="34" charset="0"/>
               </a:rPr>
               <a:t>The customer team gives feedback to the Microsoft team.</a:t>
             </a:r>
           </a:p>
           <a:p>
-            <a:pPr marL="342900" marR="0" lvl="0" indent="-342900" algn="l" defTabSz="914400" rtl="0" eaLnBrk="1" fontAlgn="auto" latinLnBrk="0" hangingPunct="1">
-              <a:lnSpc>
-                <a:spcPct val="100000"/>
-              </a:lnSpc>
-              <a:spcBef>
-                <a:spcPts val="0"/>
-              </a:spcBef>
-              <a:spcAft>
-                <a:spcPts val="0"/>
-              </a:spcAft>
-              <a:buClrTx/>
-              <a:buSzTx/>
+            <a:pPr marL="342900" lvl="0" indent="-342900">
               <a:buFont typeface="Arial" panose="020B0604020202020204" pitchFamily="34" charset="0"/>
               <a:buChar char="•"/>
-              <a:tabLst/>
-              <a:defRPr/>
             </a:pPr>
             <a:r>
-              <a:rPr kumimoji="0" lang="en-US" sz="2000" b="0" i="0" u="none" strike="noStrike" kern="1200" cap="none" spc="0" normalizeH="0" baseline="0" noProof="0" dirty="0">
-                <a:ln>
-                  <a:noFill/>
-                </a:ln>
-                <a:solidFill>
-                  <a:srgbClr val="FFFFFF"/>
-                </a:solidFill>
-                <a:effectLst/>
-                <a:uLnTx/>
-                <a:uFillTx/>
+              <a:rPr lang="en-US" sz="2000" dirty="0">
                 <a:latin typeface="Segoe UI Semilight" panose="020B0402040204020203" pitchFamily="34" charset="0"/>
-                <a:ea typeface="+mn-ea"/>
                 <a:cs typeface="Segoe UI Semilight" panose="020B0402040204020203" pitchFamily="34" charset="0"/>
               </a:rPr>
               <a:t>Switch roles and repeat Steps 2-6.</a:t>
             </a:r>
-            <a:endParaRPr kumimoji="0" lang="en-US" sz="2400" b="0" i="0" u="none" strike="noStrike" kern="1200" cap="none" spc="0" normalizeH="0" baseline="0" noProof="0" dirty="0">
-              <a:ln>
-                <a:noFill/>
-              </a:ln>
-              <a:solidFill>
-                <a:srgbClr val="FFFFFF"/>
-              </a:solidFill>
-              <a:effectLst/>
-              <a:uLnTx/>
-              <a:uFillTx/>
+            <a:endParaRPr lang="en-US" sz="2400" dirty="0">
               <a:latin typeface="Segoe UI Semilight" panose="020B0402040204020203" pitchFamily="34" charset="0"/>
-              <a:ea typeface="+mn-ea"/>
               <a:cs typeface="Segoe UI Semilight" panose="020B0402040204020203" pitchFamily="34" charset="0"/>
             </a:endParaRPr>
           </a:p>
@@ -26128,7 +25727,7 @@
     </p:spTree>
     <p:extLst>
       <p:ext uri="{BB962C8B-B14F-4D97-AF65-F5344CB8AC3E}">
-        <p14:creationId xmlns:p14="http://schemas.microsoft.com/office/powerpoint/2010/main" val="2192594990"/>
+        <p14:creationId xmlns:p14="http://schemas.microsoft.com/office/powerpoint/2010/main" val="3717261927"/>
       </p:ext>
     </p:extLst>
   </p:cSld>
@@ -28517,7 +28116,7 @@
           <a:p>
             <a:r>
               <a:rPr lang="en-IE" dirty="0"/>
-              <a:t>Preferred Objections Handling #1 (continued)</a:t>
+              <a:t>Preferred Objections Handling #2</a:t>
             </a:r>
             <a:br>
               <a:rPr lang="en-IE" dirty="0"/>
@@ -28545,7 +28144,7 @@
         <p:spPr>
           <a:xfrm>
             <a:off x="269238" y="1397843"/>
-            <a:ext cx="11653523" cy="3314754"/>
+            <a:ext cx="11653523" cy="4296561"/>
           </a:xfrm>
         </p:spPr>
         <p:txBody>
@@ -28556,7 +28155,7 @@
               <a:rPr lang="en-US" sz="2000" dirty="0">
                 <a:latin typeface="+mn-lt"/>
               </a:rPr>
-              <a:t>Potential answer:</a:t>
+              <a:t>Objection:</a:t>
             </a:r>
           </a:p>
           <a:p>
@@ -28564,7 +28163,20 @@
               <a:rPr lang="en-US" sz="1800" dirty="0">
                 <a:latin typeface="+mn-lt"/>
               </a:rPr>
-              <a:t>By combining SAP- and Azure-based analytics, it becomes easier to uncover sales trends and customer preferences, resulting in optimized production targets and increased revenues. By expediting planning cycles in coordination with supplier networks and logistics providers, retailers can get products to market faster and deliver tailored products at scale. </a:t>
+              <a:t>Our staff is already working overtime we don’t want staff to be distracted by a new process and reviewing large reports with tons of data. The accounting and finance departments want a centralized system to create dashboards, share critical data, and automate repetitive manual tasks.  They do not have months to learn a complex tool or wait for IT to create reports for them.</a:t>
+            </a:r>
+          </a:p>
+          <a:p>
+            <a:endParaRPr lang="en-US" sz="2000" dirty="0">
+              <a:latin typeface="+mn-lt"/>
+            </a:endParaRPr>
+          </a:p>
+          <a:p>
+            <a:r>
+              <a:rPr lang="en-US" sz="2000" dirty="0">
+                <a:latin typeface="+mn-lt"/>
+              </a:rPr>
+              <a:t>Potential answer:</a:t>
             </a:r>
           </a:p>
           <a:p>
@@ -28572,7 +28184,20 @@
               <a:rPr lang="en-US" sz="1800" dirty="0">
                 <a:latin typeface="+mn-lt"/>
               </a:rPr>
-              <a:t>In addition, retailers can leverage new sources of customer and market data such as social network postings or review sites from outside the organization. This provides even deeper understanding of customers buying patterns and helps track their changes in real time. Such data can be ingested, aggregated, and analyzed by leveraging Azure AI and ML models to predict what offers and experiences will have the most significant impact. At the same time, availability of such data helps build highly accurate and granular profiles for each customer to understand their unique interests and buying patterns. This, in turn, makes it more likely to be able to effectively capture customers' attention, improving their satisfaction and the likelihood of making an actual purchase. </a:t>
+              <a:t>Power BI is a collection of software services, apps, and connectors that work together to turn your unrelated sources of data into coherent, visually immersive, and interactive insights. Users have the ability to create and share/publish amazing reports without involving IT. Instead of reviewing thousands of rows of data, users can filter and display information using secure interactive web-based charts in seconds. Data refreshes can be scheduled allowing data owners to focus on higher priority tasks and consumers to see up to date information in one central location.</a:t>
+            </a:r>
+          </a:p>
+          <a:p>
+            <a:br>
+              <a:rPr lang="en-US" sz="1800" dirty="0">
+                <a:latin typeface="+mn-lt"/>
+              </a:rPr>
+            </a:br>
+            <a:r>
+              <a:rPr lang="en-US" sz="1800" dirty="0">
+                <a:latin typeface="+mn-lt"/>
+              </a:rPr>
+              <a:t>Many of the data cleaning, shaping, and filtering tools, like Power Query, found in Excel are available in Power BI. Report creators have a familiar easy to use common development experience making the adoption barrier very low.</a:t>
             </a:r>
           </a:p>
         </p:txBody>
@@ -28580,7 +28205,7 @@
     </p:spTree>
     <p:extLst>
       <p:ext uri="{BB962C8B-B14F-4D97-AF65-F5344CB8AC3E}">
-        <p14:creationId xmlns:p14="http://schemas.microsoft.com/office/powerpoint/2010/main" val="2511309625"/>
+        <p14:creationId xmlns:p14="http://schemas.microsoft.com/office/powerpoint/2010/main" val="394603079"/>
       </p:ext>
     </p:extLst>
   </p:cSld>
@@ -28820,7 +28445,7 @@
           <a:p>
             <a:r>
               <a:rPr lang="en-IE" dirty="0"/>
-              <a:t>Preferred Objections Handling #1 (continued)</a:t>
+              <a:t>Preferred Objections Handling #3</a:t>
             </a:r>
             <a:br>
               <a:rPr lang="en-IE" dirty="0"/>
@@ -28847,8 +28472,8 @@
         </p:nvSpPr>
         <p:spPr>
           <a:xfrm>
-            <a:off x="269238" y="1397843"/>
-            <a:ext cx="11653523" cy="5115246"/>
+            <a:off x="269238" y="1189176"/>
+            <a:ext cx="11653523" cy="5598456"/>
           </a:xfrm>
         </p:spPr>
         <p:txBody>
@@ -28859,7 +28484,7 @@
               <a:rPr lang="en-US" sz="2000" dirty="0">
                 <a:latin typeface="+mn-lt"/>
               </a:rPr>
-              <a:t>Potential answer:</a:t>
+              <a:t>Objection:</a:t>
             </a:r>
           </a:p>
           <a:p>
@@ -28867,7 +28492,20 @@
               <a:rPr lang="en-US" sz="1800" dirty="0">
                 <a:latin typeface="+mn-lt"/>
               </a:rPr>
-              <a:t>Similarly, in the manufacturing scenarios, companies like Contoso will benefit from transitioning to the connected factory paradigm. Modern systems that carry out manufacturing tasks are equipped with smart sensors and controls that directly integrate them with the Internet-connected world. These connected assets can communicate their status as well as receive and process digital input, offering new ways to monitor and automate production lines. Device signals can report equipment health and maintenance needs or help identify efficiency problems either at the individual machine level or in the interactions between machines over an end-to-end production workflow. By incorporating this operational data with existing IT systems and line-of-business applications, manufacturers gain an integrated view of the production landscape and fine-grained control over the physical processes that determine factory performance.</a:t>
+              <a:t>Predicting cash flows seems very appealing.  We have heard that creating a machine learning model takes a month to build and another 2-3 months to operationalize to be useable from our production systems. Is this true?</a:t>
+            </a:r>
+          </a:p>
+          <a:p>
+            <a:endParaRPr lang="en-US" sz="2000" dirty="0">
+              <a:latin typeface="+mn-lt"/>
+            </a:endParaRPr>
+          </a:p>
+          <a:p>
+            <a:r>
+              <a:rPr lang="en-US" sz="2000" dirty="0">
+                <a:latin typeface="+mn-lt"/>
+              </a:rPr>
+              <a:t>Potential answer:</a:t>
             </a:r>
           </a:p>
           <a:p>
@@ -28875,15 +28513,28 @@
               <a:rPr lang="en-US" sz="1800" dirty="0">
                 <a:latin typeface="+mn-lt"/>
               </a:rPr>
-              <a:t>Sensor-equipped smart machines considerably simplify predictive maintenance and servicing, which minimize operational failures and the corresponding lost productivity. They also provide manufacturers with the ability to track real-time status of their environment, which helps detect anomalous behavior patterns. Tools such as Microsoft Power BI help create operator dashboards that automatically refresh at scheduled intervals, delivering an easy-to-analyze overview of up-to-date utilization and efficiency levels. </a:t>
-            </a:r>
-          </a:p>
-          <a:p>
-            <a:r>
+              <a:t>This is true in the traditional process of creating machine learning models. The data scientist creates and tests a model (for example, in Python). This can take several iterations. Once the model is complete, the data scientist hands it over to developers who can integrate it into their custom application. This is called operationalizing the model. Monitoring needs to be configured and tested.</a:t>
+            </a:r>
+          </a:p>
+          <a:p>
+            <a:br>
               <a:rPr lang="en-US" sz="1800" dirty="0">
                 <a:latin typeface="+mn-lt"/>
               </a:rPr>
-              <a:t>Combining business data with device telemetry and operational data can significantly increase production efficiency and flexibility, providing an integrated view of operations and improving control over physical production processes. Azure AI and ML solutions help build autonomous workflows that reduce human intervention while improving quality and performance.</a:t>
+            </a:br>
+            <a:r>
+              <a:rPr lang="en-US" sz="1800" dirty="0">
+                <a:latin typeface="+mn-lt"/>
+              </a:rPr>
+              <a:t>Azure ML has made it easier to build, test, deploy, and monitor machine models. All the resources required to build, scale, maintain, and secure your model are in one place.  </a:t>
+            </a:r>
+          </a:p>
+          <a:p>
+            <a:r>
+              <a:rPr lang="en-US" sz="1800" dirty="0">
+                <a:latin typeface="+mn-lt"/>
+              </a:rPr>
+              <a:t>Azure Automated ML allows developers to automate time-consuming iterative tasks. Users can create an end-to-end machine learning pipeline to produce models. Solutions can be created quickly without an extensive programming knowledge all the while leveraging best practices. Standard business scenarios like classification, regression, time series forecasting are already built in. You can upload your sample dataset and Auto ML will recommend the best model for you rapidly based on the metrics you choose. Model deployment can be completed with a single click. Model refinement can be done using the built-in drag and drop designer. You can execute your model tests and review the history. The deployed model can be exposed as a REST API to other services like Power BI. All this functionality is found in one tool.</a:t>
             </a:r>
           </a:p>
         </p:txBody>
@@ -28891,7 +28542,7 @@
     </p:spTree>
     <p:extLst>
       <p:ext uri="{BB962C8B-B14F-4D97-AF65-F5344CB8AC3E}">
-        <p14:creationId xmlns:p14="http://schemas.microsoft.com/office/powerpoint/2010/main" val="621894066"/>
+        <p14:creationId xmlns:p14="http://schemas.microsoft.com/office/powerpoint/2010/main" val="3332288451"/>
       </p:ext>
     </p:extLst>
   </p:cSld>
@@ -28949,7 +28600,7 @@
           <a:p>
             <a:r>
               <a:rPr lang="en-IE" dirty="0"/>
-              <a:t>Preferred Objections Handling #2</a:t>
+              <a:t>Preferred Objections Handling #4</a:t>
             </a:r>
             <a:br>
               <a:rPr lang="en-IE" dirty="0"/>
@@ -28977,7 +28628,7 @@
         <p:spPr>
           <a:xfrm>
             <a:off x="269238" y="1397843"/>
-            <a:ext cx="11653523" cy="4545860"/>
+            <a:ext cx="11653523" cy="2179058"/>
           </a:xfrm>
         </p:spPr>
         <p:txBody>
@@ -28996,44 +28647,33 @@
               <a:rPr lang="en-US" sz="1800" dirty="0">
                 <a:latin typeface="+mn-lt"/>
               </a:rPr>
-              <a:t>We've spent a lot of money and time building out the systems we have, why should we start over in Azure rather than upgrade our existing hardware?</a:t>
-            </a:r>
-          </a:p>
-          <a:p>
-            <a:endParaRPr lang="en-US" sz="2000" dirty="0">
+              <a:t>Management does not want to spend large amounts of money on IT hardware they have to manage on-premises.</a:t>
+            </a:r>
+          </a:p>
+          <a:p>
+            <a:endParaRPr lang="en-US" sz="1800" dirty="0">
               <a:latin typeface="+mn-lt"/>
             </a:endParaRPr>
-          </a:p>
-          <a:p>
-            <a:r>
-              <a:rPr lang="en-US" sz="2000" dirty="0">
-                <a:latin typeface="+mn-lt"/>
-              </a:rPr>
-              <a:t>Potential answer:</a:t>
-            </a:r>
           </a:p>
           <a:p>
             <a:r>
               <a:rPr lang="en-US" sz="1800" dirty="0">
                 <a:latin typeface="+mn-lt"/>
               </a:rPr>
-              <a:t>While it is possible to leverage Azure services in hybrid scenarios with your on-premises SAP landscape, by migrating it to Azure you will be able to fully realize the benefits that the cloud environment has to offer. These benefits go beyond increased agility, resiliency, and scalability, resulting also in meaningful cost savings. A Forrester study published in 2019 found that organizations which migrate SAP to Azure can expect more than a 100% return on investment within 3 years. According to the same study, by the second year, organizations will typically be able to reduce staff required to manage SAP infrastructure by 50% and accelerate SAP releases by 100% due to the ability to rapidly provision test environments. Effectively,</a:t>
-            </a:r>
-          </a:p>
-          <a:p>
-            <a:r>
-              <a:rPr lang="en-US" sz="1800" dirty="0">
-                <a:latin typeface="+mn-lt"/>
-              </a:rPr>
-              <a:t>organizations can accelerate development cycles, run test marketing campaigns and validate new product opportunities much faster, greatly reducing time to market. Similarly, financial and human resources previously dedicated to IT overhead can be allocated to pursuing product and business innovation and new market growth initiatives.</a:t>
-            </a:r>
+              <a:t>Contoso can expand their current investment in Azure cloud services. There is no need to purchase and manage additional on-premises hardware. They can eliminate capital expenditures and reduce the cost of underutilized hardware with on-demand usage models. </a:t>
+            </a:r>
+          </a:p>
+          <a:p>
+            <a:endParaRPr lang="en-US" sz="1800" dirty="0">
+              <a:latin typeface="+mn-lt"/>
+            </a:endParaRPr>
           </a:p>
         </p:txBody>
       </p:sp>
     </p:spTree>
     <p:extLst>
       <p:ext uri="{BB962C8B-B14F-4D97-AF65-F5344CB8AC3E}">
-        <p14:creationId xmlns:p14="http://schemas.microsoft.com/office/powerpoint/2010/main" val="394603079"/>
+        <p14:creationId xmlns:p14="http://schemas.microsoft.com/office/powerpoint/2010/main" val="2157853981"/>
       </p:ext>
     </p:extLst>
   </p:cSld>
@@ -29070,400 +28710,6 @@
       </p:grpSpPr>
       <p:sp>
         <p:nvSpPr>
-          <p:cNvPr id="82" name="Title 81">
-            <a:extLst>
-              <a:ext uri="{FF2B5EF4-FFF2-40B4-BE49-F238E27FC236}">
-                <a16:creationId xmlns:a16="http://schemas.microsoft.com/office/drawing/2014/main" id="{6615F817-CA46-4109-8266-79C94F4DCA45}"/>
-              </a:ext>
-            </a:extLst>
-          </p:cNvPr>
-          <p:cNvSpPr>
-            <a:spLocks noGrp="1"/>
-          </p:cNvSpPr>
-          <p:nvPr>
-            <p:ph type="title"/>
-          </p:nvPr>
-        </p:nvSpPr>
-        <p:spPr/>
-        <p:txBody>
-          <a:bodyPr/>
-          <a:lstStyle/>
-          <a:p>
-            <a:r>
-              <a:rPr lang="en-IE" dirty="0"/>
-              <a:t>Preferred Objections Handling #2 (continued)</a:t>
-            </a:r>
-            <a:br>
-              <a:rPr lang="en-IE" dirty="0"/>
-            </a:br>
-            <a:endParaRPr lang="en-IE" dirty="0"/>
-          </a:p>
-        </p:txBody>
-      </p:sp>
-      <p:sp>
-        <p:nvSpPr>
-          <p:cNvPr id="11" name="Text Placeholder 10">
-            <a:extLst>
-              <a:ext uri="{FF2B5EF4-FFF2-40B4-BE49-F238E27FC236}">
-                <a16:creationId xmlns:a16="http://schemas.microsoft.com/office/drawing/2014/main" id="{E05F6E7B-06CE-4C18-8FB6-EAFA044E0103}"/>
-              </a:ext>
-            </a:extLst>
-          </p:cNvPr>
-          <p:cNvSpPr>
-            <a:spLocks noGrp="1"/>
-          </p:cNvSpPr>
-          <p:nvPr>
-            <p:ph type="body" sz="quarter" idx="10"/>
-          </p:nvPr>
-        </p:nvSpPr>
-        <p:spPr>
-          <a:xfrm>
-            <a:off x="269238" y="1397843"/>
-            <a:ext cx="11653523" cy="3065455"/>
-          </a:xfrm>
-        </p:spPr>
-        <p:txBody>
-          <a:bodyPr/>
-          <a:lstStyle/>
-          <a:p>
-            <a:r>
-              <a:rPr lang="en-US" sz="2000" dirty="0">
-                <a:latin typeface="+mn-lt"/>
-              </a:rPr>
-              <a:t>Potential answer:</a:t>
-            </a:r>
-          </a:p>
-          <a:p>
-            <a:r>
-              <a:rPr lang="en-US" sz="1800" dirty="0">
-                <a:latin typeface="+mn-lt"/>
-              </a:rPr>
-              <a:t>Azure is SAP certified to run your mission-critical SAP applications. It offers is the industry's most performant and scalable SAP cloud infrastructure, including 25+ configurations that span virtual machines and purpose-built bare metal instances with memory ranging from 192GB to 24TB, in more regions than any other public cloud provider. You also benefit from Azure security services and the industry's largest compliance portfolio for workloads in the cloud and on-premises. </a:t>
-            </a:r>
-          </a:p>
-          <a:p>
-            <a:r>
-              <a:rPr lang="en-US" sz="1800" dirty="0">
-                <a:latin typeface="+mn-lt"/>
-              </a:rPr>
-              <a:t>In addition, Azure facilitates innovation, with a wide range of services that support different data ingestion, integration, transformation, processing and visualization services. Your new solution will not only leverage the data that is currently in place, but, you will be able to further enrich it by taking advantage of such functionality as cloud-native machine learning and artificial intelligence, including virtual and augmented reality, image recognition, and natural language processing. </a:t>
-            </a:r>
-          </a:p>
-        </p:txBody>
-      </p:sp>
-    </p:spTree>
-    <p:extLst>
-      <p:ext uri="{BB962C8B-B14F-4D97-AF65-F5344CB8AC3E}">
-        <p14:creationId xmlns:p14="http://schemas.microsoft.com/office/powerpoint/2010/main" val="1448474971"/>
-      </p:ext>
-    </p:extLst>
-  </p:cSld>
-  <p:clrMapOvr>
-    <a:masterClrMapping/>
-  </p:clrMapOvr>
-  <mc:AlternateContent xmlns:mc="http://schemas.openxmlformats.org/markup-compatibility/2006" xmlns:p14="http://schemas.microsoft.com/office/powerpoint/2010/main">
-    <mc:Choice Requires="p14">
-      <p:transition p14:dur="0"/>
-    </mc:Choice>
-    <mc:Fallback xmlns="">
-      <p:transition/>
-    </mc:Fallback>
-  </mc:AlternateContent>
-</p:sld>
-</file>
-
-<file path=ppt/slides/slide33.xml><?xml version="1.0" encoding="utf-8"?>
-<p:sld xmlns:a="http://schemas.openxmlformats.org/drawingml/2006/main" xmlns:r="http://schemas.openxmlformats.org/officeDocument/2006/relationships" xmlns:p="http://schemas.openxmlformats.org/presentationml/2006/main">
-  <p:cSld>
-    <p:spTree>
-      <p:nvGrpSpPr>
-        <p:cNvPr id="1" name=""/>
-        <p:cNvGrpSpPr/>
-        <p:nvPr/>
-      </p:nvGrpSpPr>
-      <p:grpSpPr>
-        <a:xfrm>
-          <a:off x="0" y="0"/>
-          <a:ext cx="0" cy="0"/>
-          <a:chOff x="0" y="0"/>
-          <a:chExt cx="0" cy="0"/>
-        </a:xfrm>
-      </p:grpSpPr>
-      <p:sp>
-        <p:nvSpPr>
-          <p:cNvPr id="82" name="Title 81">
-            <a:extLst>
-              <a:ext uri="{FF2B5EF4-FFF2-40B4-BE49-F238E27FC236}">
-                <a16:creationId xmlns:a16="http://schemas.microsoft.com/office/drawing/2014/main" id="{6615F817-CA46-4109-8266-79C94F4DCA45}"/>
-              </a:ext>
-            </a:extLst>
-          </p:cNvPr>
-          <p:cNvSpPr>
-            <a:spLocks noGrp="1"/>
-          </p:cNvSpPr>
-          <p:nvPr>
-            <p:ph type="title"/>
-          </p:nvPr>
-        </p:nvSpPr>
-        <p:spPr/>
-        <p:txBody>
-          <a:bodyPr/>
-          <a:lstStyle/>
-          <a:p>
-            <a:r>
-              <a:rPr lang="en-IE" dirty="0"/>
-              <a:t>Preferred Objections Handling #3</a:t>
-            </a:r>
-            <a:br>
-              <a:rPr lang="en-IE" dirty="0"/>
-            </a:br>
-            <a:endParaRPr lang="en-IE" dirty="0"/>
-          </a:p>
-        </p:txBody>
-      </p:sp>
-      <p:sp>
-        <p:nvSpPr>
-          <p:cNvPr id="11" name="Text Placeholder 10">
-            <a:extLst>
-              <a:ext uri="{FF2B5EF4-FFF2-40B4-BE49-F238E27FC236}">
-                <a16:creationId xmlns:a16="http://schemas.microsoft.com/office/drawing/2014/main" id="{E05F6E7B-06CE-4C18-8FB6-EAFA044E0103}"/>
-              </a:ext>
-            </a:extLst>
-          </p:cNvPr>
-          <p:cNvSpPr>
-            <a:spLocks noGrp="1"/>
-          </p:cNvSpPr>
-          <p:nvPr>
-            <p:ph type="body" sz="quarter" idx="10"/>
-          </p:nvPr>
-        </p:nvSpPr>
-        <p:spPr>
-          <a:xfrm>
-            <a:off x="269238" y="1397843"/>
-            <a:ext cx="11653523" cy="3742563"/>
-          </a:xfrm>
-        </p:spPr>
-        <p:txBody>
-          <a:bodyPr/>
-          <a:lstStyle/>
-          <a:p>
-            <a:r>
-              <a:rPr lang="en-US" sz="2000" dirty="0">
-                <a:latin typeface="+mn-lt"/>
-              </a:rPr>
-              <a:t>Objection:</a:t>
-            </a:r>
-          </a:p>
-          <a:p>
-            <a:r>
-              <a:rPr lang="en-US" sz="1800" dirty="0">
-                <a:latin typeface="+mn-lt"/>
-              </a:rPr>
-              <a:t>How will this solution help us to create a better process for getting our products from the manufacturing to the warehouses and then to the stores any quicker? Our staff is already working overtime and trucks won't be able to physically drive any faster while maintaining safety standards.</a:t>
-            </a:r>
-          </a:p>
-          <a:p>
-            <a:endParaRPr lang="en-US" sz="2000" dirty="0">
-              <a:latin typeface="+mn-lt"/>
-            </a:endParaRPr>
-          </a:p>
-          <a:p>
-            <a:r>
-              <a:rPr lang="en-US" sz="2000" dirty="0">
-                <a:latin typeface="+mn-lt"/>
-              </a:rPr>
-              <a:t>Potential answer:</a:t>
-            </a:r>
-          </a:p>
-          <a:p>
-            <a:r>
-              <a:rPr lang="en-US" sz="1800" dirty="0">
-                <a:latin typeface="+mn-lt"/>
-              </a:rPr>
-              <a:t>The solution will help Contoso with optimizing this process. The objective is to improve efficiency rather than increasing speed or the amount of effort. This means having trucks that are fully loaded with the correct products and warehouses that are staffed with the staff best equipped to handle the task at hand. To accomplish this, you will take advantage of predictive analytics that take into account historical data and combine it with Azure AI and ML services to derive the most likely future outcome. You will also benefit from the availability of external data, such as road closures or inclement weather to identify potential problems before they might impact production schedules or customer deliveries. </a:t>
-            </a:r>
-          </a:p>
-        </p:txBody>
-      </p:sp>
-    </p:spTree>
-    <p:extLst>
-      <p:ext uri="{BB962C8B-B14F-4D97-AF65-F5344CB8AC3E}">
-        <p14:creationId xmlns:p14="http://schemas.microsoft.com/office/powerpoint/2010/main" val="3332288451"/>
-      </p:ext>
-    </p:extLst>
-  </p:cSld>
-  <p:clrMapOvr>
-    <a:masterClrMapping/>
-  </p:clrMapOvr>
-  <mc:AlternateContent xmlns:mc="http://schemas.openxmlformats.org/markup-compatibility/2006" xmlns:p14="http://schemas.microsoft.com/office/powerpoint/2010/main">
-    <mc:Choice Requires="p14">
-      <p:transition p14:dur="0"/>
-    </mc:Choice>
-    <mc:Fallback xmlns="">
-      <p:transition/>
-    </mc:Fallback>
-  </mc:AlternateContent>
-</p:sld>
-</file>
-
-<file path=ppt/slides/slide34.xml><?xml version="1.0" encoding="utf-8"?>
-<p:sld xmlns:a="http://schemas.openxmlformats.org/drawingml/2006/main" xmlns:r="http://schemas.openxmlformats.org/officeDocument/2006/relationships" xmlns:p="http://schemas.openxmlformats.org/presentationml/2006/main">
-  <p:cSld>
-    <p:spTree>
-      <p:nvGrpSpPr>
-        <p:cNvPr id="1" name=""/>
-        <p:cNvGrpSpPr/>
-        <p:nvPr/>
-      </p:nvGrpSpPr>
-      <p:grpSpPr>
-        <a:xfrm>
-          <a:off x="0" y="0"/>
-          <a:ext cx="0" cy="0"/>
-          <a:chOff x="0" y="0"/>
-          <a:chExt cx="0" cy="0"/>
-        </a:xfrm>
-      </p:grpSpPr>
-      <p:sp>
-        <p:nvSpPr>
-          <p:cNvPr id="82" name="Title 81">
-            <a:extLst>
-              <a:ext uri="{FF2B5EF4-FFF2-40B4-BE49-F238E27FC236}">
-                <a16:creationId xmlns:a16="http://schemas.microsoft.com/office/drawing/2014/main" id="{6615F817-CA46-4109-8266-79C94F4DCA45}"/>
-              </a:ext>
-            </a:extLst>
-          </p:cNvPr>
-          <p:cNvSpPr>
-            <a:spLocks noGrp="1"/>
-          </p:cNvSpPr>
-          <p:nvPr>
-            <p:ph type="title"/>
-          </p:nvPr>
-        </p:nvSpPr>
-        <p:spPr/>
-        <p:txBody>
-          <a:bodyPr/>
-          <a:lstStyle/>
-          <a:p>
-            <a:r>
-              <a:rPr lang="en-IE" dirty="0"/>
-              <a:t>Preferred Objections Handling #4</a:t>
-            </a:r>
-            <a:br>
-              <a:rPr lang="en-IE" dirty="0"/>
-            </a:br>
-            <a:endParaRPr lang="en-IE" dirty="0"/>
-          </a:p>
-        </p:txBody>
-      </p:sp>
-      <p:sp>
-        <p:nvSpPr>
-          <p:cNvPr id="11" name="Text Placeholder 10">
-            <a:extLst>
-              <a:ext uri="{FF2B5EF4-FFF2-40B4-BE49-F238E27FC236}">
-                <a16:creationId xmlns:a16="http://schemas.microsoft.com/office/drawing/2014/main" id="{E05F6E7B-06CE-4C18-8FB6-EAFA044E0103}"/>
-              </a:ext>
-            </a:extLst>
-          </p:cNvPr>
-          <p:cNvSpPr>
-            <a:spLocks noGrp="1"/>
-          </p:cNvSpPr>
-          <p:nvPr>
-            <p:ph type="body" sz="quarter" idx="10"/>
-          </p:nvPr>
-        </p:nvSpPr>
-        <p:spPr>
-          <a:xfrm>
-            <a:off x="269238" y="1397843"/>
-            <a:ext cx="11653523" cy="3050066"/>
-          </a:xfrm>
-        </p:spPr>
-        <p:txBody>
-          <a:bodyPr/>
-          <a:lstStyle/>
-          <a:p>
-            <a:r>
-              <a:rPr lang="en-US" sz="2000" dirty="0">
-                <a:latin typeface="+mn-lt"/>
-              </a:rPr>
-              <a:t>Objection:</a:t>
-            </a:r>
-          </a:p>
-          <a:p>
-            <a:r>
-              <a:rPr lang="en-US" sz="1800" dirty="0">
-                <a:latin typeface="+mn-lt"/>
-              </a:rPr>
-              <a:t>How can we ensure the privacy of our customers is sufficiently protected if we pursue targeted advertising by leveraging Azure services?</a:t>
-            </a:r>
-          </a:p>
-          <a:p>
-            <a:endParaRPr lang="en-US" sz="2000" dirty="0">
-              <a:latin typeface="+mn-lt"/>
-            </a:endParaRPr>
-          </a:p>
-          <a:p>
-            <a:r>
-              <a:rPr lang="en-US" sz="2000" dirty="0">
-                <a:latin typeface="+mn-lt"/>
-              </a:rPr>
-              <a:t>Potential answer:</a:t>
-            </a:r>
-          </a:p>
-          <a:p>
-            <a:r>
-              <a:rPr lang="en-US" sz="1800" dirty="0">
-                <a:latin typeface="+mn-lt"/>
-              </a:rPr>
-              <a:t>Microsoft fully understands that its customers need to comply with their national, regional, and industry-specific requirements and offers full transparency regarding provisions it offers in this area. These provisions include strict standards regarding the privacy and protection of customer data. For more information regarding this topic, refer to https://azure.microsoft.com/en-us/support/legal/cognitive-services-compliance-and-privacy/ </a:t>
-            </a:r>
-          </a:p>
-          <a:p>
-            <a:endParaRPr lang="en-US" sz="1800" dirty="0">
-              <a:latin typeface="+mn-lt"/>
-            </a:endParaRPr>
-          </a:p>
-        </p:txBody>
-      </p:sp>
-    </p:spTree>
-    <p:extLst>
-      <p:ext uri="{BB962C8B-B14F-4D97-AF65-F5344CB8AC3E}">
-        <p14:creationId xmlns:p14="http://schemas.microsoft.com/office/powerpoint/2010/main" val="2157853981"/>
-      </p:ext>
-    </p:extLst>
-  </p:cSld>
-  <p:clrMapOvr>
-    <a:masterClrMapping/>
-  </p:clrMapOvr>
-  <mc:AlternateContent xmlns:mc="http://schemas.openxmlformats.org/markup-compatibility/2006" xmlns:p14="http://schemas.microsoft.com/office/powerpoint/2010/main">
-    <mc:Choice Requires="p14">
-      <p:transition p14:dur="0"/>
-    </mc:Choice>
-    <mc:Fallback xmlns="">
-      <p:transition/>
-    </mc:Fallback>
-  </mc:AlternateContent>
-</p:sld>
-</file>
-
-<file path=ppt/slides/slide35.xml><?xml version="1.0" encoding="utf-8"?>
-<p:sld xmlns:a="http://schemas.openxmlformats.org/drawingml/2006/main" xmlns:r="http://schemas.openxmlformats.org/officeDocument/2006/relationships" xmlns:p="http://schemas.openxmlformats.org/presentationml/2006/main">
-  <p:cSld>
-    <p:spTree>
-      <p:nvGrpSpPr>
-        <p:cNvPr id="1" name=""/>
-        <p:cNvGrpSpPr/>
-        <p:nvPr/>
-      </p:nvGrpSpPr>
-      <p:grpSpPr>
-        <a:xfrm>
-          <a:off x="0" y="0"/>
-          <a:ext cx="0" cy="0"/>
-          <a:chOff x="0" y="0"/>
-          <a:chExt cx="0" cy="0"/>
-        </a:xfrm>
-      </p:grpSpPr>
-      <p:sp>
-        <p:nvSpPr>
           <p:cNvPr id="3" name="Title 2">
             <a:extLst>
               <a:ext uri="{FF2B5EF4-FFF2-40B4-BE49-F238E27FC236}">
@@ -29509,7 +28755,7 @@
         <p:spPr>
           <a:xfrm>
             <a:off x="269239" y="1189177"/>
-            <a:ext cx="11653523" cy="5146024"/>
+            <a:ext cx="11653523" cy="4758226"/>
           </a:xfrm>
         </p:spPr>
         <p:txBody>
@@ -29523,7 +28769,7 @@
               <a:rPr lang="en-US" sz="2800" dirty="0">
                 <a:latin typeface="+mn-lt"/>
               </a:rPr>
-              <a:t>"We are truly satisfied with the results offered through the solution provided. By migrating our SAP landscape to Azure, we have not only increased its agility and resiliency, but also realized meaningful cost savings and, through integration with Azure services, gained an extra competitive advantage. Now we are able to reliably base our tactical and strategic planning on end-to-end business data that incorporates interconnected operations and leverages cutting-edge technologies like AI, machine learning, and IoT. We also got to know our customers better and improved their satisfaction by taking advantage of social networking and Azure Cognitive Services."</a:t>
+              <a:t>"We are truly satisfied with the results offered through the solution provided. By integrating our SAP data with Azure-based analytic tools, like Synapse and Power BI, we can deliver action driven reports while maintaining a single source of truth for critical data.  The accounting department has created reports displaying past due balance accounts in one central dashboard. Now, we can reliably base our tactical and strategic planning on end-to-end business data that incorporates interconnected operations and leverages cutting-edge technologies like AI, and machine learning. Our cash flows are predictable and AR balances lower."</a:t>
             </a:r>
           </a:p>
           <a:p>
@@ -29542,7 +28788,7 @@
               <a:rPr lang="en-US" sz="3200" dirty="0">
                 <a:latin typeface="+mn-lt"/>
               </a:rPr>
-              <a:t>- Guy Information, CIO, Parts Unlimited Retail</a:t>
+              <a:t>- Mari Stephens, CFO, Contoso Food Distribution</a:t>
             </a:r>
             <a:endParaRPr lang="en-US" dirty="0">
               <a:latin typeface="+mn-lt"/>
@@ -29566,7 +28812,7 @@
 </p:sld>
 </file>
 
-<file path=ppt/slides/slide36.xml><?xml version="1.0" encoding="utf-8"?>
+<file path=ppt/slides/slide33.xml><?xml version="1.0" encoding="utf-8"?>
 <p:sld xmlns:a="http://schemas.openxmlformats.org/drawingml/2006/main" xmlns:r="http://schemas.openxmlformats.org/officeDocument/2006/relationships" xmlns:p="http://schemas.openxmlformats.org/presentationml/2006/main">
   <p:cSld>
     <p:bg>
@@ -30575,7 +29821,7 @@
                   <a:schemeClr val="tx1"/>
                 </a:solidFill>
               </a:rPr>
-              <a:t>Centralizing the data is important.</a:t>
+              <a:t>Combining and centralizing the data is important.</a:t>
             </a:r>
           </a:p>
           <a:p>
@@ -30630,7 +29876,7 @@
                   <a:schemeClr val="tx1"/>
                 </a:solidFill>
               </a:rPr>
-              <a:t>IT operational and capital expenditures constrained.</a:t>
+              <a:t>IT operational and capital expenditures are constrained.</a:t>
             </a:r>
           </a:p>
         </p:txBody>

--- a/Whiteboard design session/WDS trainer presentation - SAP_plus_extend_and_innovate.pptx
+++ b/Whiteboard design session/WDS trainer presentation - SAP_plus_extend_and_innovate.pptx
@@ -28970,7 +28970,7 @@
                   <a:schemeClr val="tx1"/>
                 </a:solidFill>
               </a:rPr>
-              <a:t>Manual exporting and merging data into spreadsheets not efficient.</a:t>
+              <a:t>Manual exporting and merging data into spreadsheets is not efficient.</a:t>
             </a:r>
           </a:p>
         </p:txBody>
@@ -29376,7 +29376,7 @@
                 </a:solidFill>
                 <a:cs typeface="Segoe UI Semilight" panose="020B0402040204020203" pitchFamily="34" charset="0"/>
               </a:rPr>
-              <a:t>Identifying customers at specific at days past due is important.</a:t>
+              <a:t>Identifying customers at specific at days past due milestones is important.</a:t>
             </a:r>
           </a:p>
           <a:p>

--- a/Whiteboard design session/WDS trainer presentation - SAP_plus_extend_and_innovate.pptx
+++ b/Whiteboard design session/WDS trainer presentation - SAP_plus_extend_and_innovate.pptx
@@ -234,7 +234,7 @@
           <a:p>
             <a:fld id="{52A13B17-C506-4D51-BB37-16B365906619}" type="datetimeFigureOut">
               <a:rPr lang="en-US" smtClean="0"/>
-              <a:t>8/18/2022</a:t>
+              <a:t>8/19/2022</a:t>
             </a:fld>
             <a:endParaRPr lang="en-US" dirty="0"/>
           </a:p>
@@ -3521,7 +3521,7 @@
                   <a:prstClr val="black"/>
                 </a:solidFill>
               </a:rPr>
-              <a:t>8/18/2022 2:44 PM</a:t>
+              <a:t>8/19/2022 6:26 AM</a:t>
             </a:fld>
             <a:endParaRPr lang="en-US" dirty="0">
               <a:solidFill>
@@ -26879,7 +26879,7 @@
           <a:p>
             <a:r>
               <a:rPr lang="en-US" sz="2800" dirty="0"/>
-              <a:t>In this whiteboard design session, you will learn how to design a solution with to allow customers to pull data from multiple data sources, provide an analytics, and automate repetitive tasks.</a:t>
+              <a:t>In this whiteboard design session, you will learn how to design a solution to allow customers to pull data from multiple data sources, provide an analytics, and automate repetitive tasks.</a:t>
             </a:r>
           </a:p>
           <a:p>
@@ -27478,11 +27478,11 @@
   <p:clrMapOvr>
     <a:masterClrMapping/>
   </p:clrMapOvr>
-  <mc:AlternateContent xmlns:mc="http://schemas.openxmlformats.org/markup-compatibility/2006">
-    <mc:Choice xmlns:p14="http://schemas.microsoft.com/office/powerpoint/2010/main" Requires="p14">
+  <mc:AlternateContent xmlns:mc="http://schemas.openxmlformats.org/markup-compatibility/2006" xmlns:p14="http://schemas.microsoft.com/office/powerpoint/2010/main">
+    <mc:Choice Requires="p14">
       <p:transition p14:dur="0"/>
     </mc:Choice>
-    <mc:Fallback>
+    <mc:Fallback xmlns="">
       <p:transition/>
     </mc:Fallback>
   </mc:AlternateContent>
@@ -31612,6 +31612,12 @@
 </file>
 
 <file path=customXml/item1.xml><?xml version="1.0" encoding="utf-8"?>
+<p:properties xmlns:p="http://schemas.microsoft.com/office/2006/metadata/properties" xmlns:xsi="http://www.w3.org/2001/XMLSchema-instance" xmlns:pc="http://schemas.microsoft.com/office/infopath/2007/PartnerControls">
+  <documentManagement/>
+</p:properties>
+</file>
+
+<file path=customXml/item2.xml><?xml version="1.0" encoding="utf-8"?>
 <ct:contentTypeSchema xmlns:ct="http://schemas.microsoft.com/office/2006/metadata/contentType" xmlns:ma="http://schemas.microsoft.com/office/2006/metadata/properties/metaAttributes" ct:_="" ma:_="" ma:contentTypeName="Document" ma:contentTypeID="0x010100BCA4EC527BF874469D7E5FECF7D9FB70" ma:contentTypeVersion="6" ma:contentTypeDescription="Create a new document." ma:contentTypeScope="" ma:versionID="63bcfb01198a5f4cc35071d76a13e973">
   <xsd:schema xmlns:xsd="http://www.w3.org/2001/XMLSchema" xmlns:xs="http://www.w3.org/2001/XMLSchema" xmlns:p="http://schemas.microsoft.com/office/2006/metadata/properties" xmlns:ns2="25b059c1-e0b1-4aae-b8e7-a9c1a20f7312" xmlns:ns3="24937d34-002f-4836-b77c-e21f12df0152" targetNamespace="http://schemas.microsoft.com/office/2006/metadata/properties" ma:root="true" ma:fieldsID="12b927a22a17d3f79cc59c0932bea1cb" ns2:_="" ns3:_="">
     <xsd:import namespace="25b059c1-e0b1-4aae-b8e7-a9c1a20f7312"/>
@@ -31790,12 +31796,6 @@
 </ct:contentTypeSchema>
 </file>
 
-<file path=customXml/item2.xml><?xml version="1.0" encoding="utf-8"?>
-<p:properties xmlns:p="http://schemas.microsoft.com/office/2006/metadata/properties" xmlns:xsi="http://www.w3.org/2001/XMLSchema-instance" xmlns:pc="http://schemas.microsoft.com/office/infopath/2007/PartnerControls">
-  <documentManagement/>
-</p:properties>
-</file>
-
 <file path=customXml/item3.xml><?xml version="1.0" encoding="utf-8"?>
 <?mso-contentType ?>
 <FormTemplates xmlns="http://schemas.microsoft.com/sharepoint/v3/contenttype/forms">
@@ -31806,6 +31806,23 @@
 </file>
 
 <file path=customXml/itemProps1.xml><?xml version="1.0" encoding="utf-8"?>
+<ds:datastoreItem xmlns:ds="http://schemas.openxmlformats.org/officeDocument/2006/customXml" ds:itemID="{2AC6E67E-42B4-40AF-80F4-D98253E4E21A}">
+  <ds:schemaRefs>
+    <ds:schemaRef ds:uri="24937d34-002f-4836-b77c-e21f12df0152"/>
+    <ds:schemaRef ds:uri="http://schemas.microsoft.com/office/2006/metadata/properties"/>
+    <ds:schemaRef ds:uri="25b059c1-e0b1-4aae-b8e7-a9c1a20f7312"/>
+    <ds:schemaRef ds:uri="http://schemas.microsoft.com/office/2006/documentManagement/types"/>
+    <ds:schemaRef ds:uri="http://www.w3.org/XML/1998/namespace"/>
+    <ds:schemaRef ds:uri="http://purl.org/dc/terms/"/>
+    <ds:schemaRef ds:uri="http://schemas.microsoft.com/office/infopath/2007/PartnerControls"/>
+    <ds:schemaRef ds:uri="http://schemas.openxmlformats.org/package/2006/metadata/core-properties"/>
+    <ds:schemaRef ds:uri="http://purl.org/dc/dcmitype/"/>
+    <ds:schemaRef ds:uri="http://purl.org/dc/elements/1.1/"/>
+  </ds:schemaRefs>
+</ds:datastoreItem>
+</file>
+
+<file path=customXml/itemProps2.xml><?xml version="1.0" encoding="utf-8"?>
 <ds:datastoreItem xmlns:ds="http://schemas.openxmlformats.org/officeDocument/2006/customXml" ds:itemID="{50B43756-F2F7-4341-9ED7-6CDCB2E9AC83}">
   <ds:schemaRefs>
     <ds:schemaRef ds:uri="http://schemas.microsoft.com/office/2006/metadata/contentType"/>
@@ -31824,23 +31841,6 @@
 </ds:datastoreItem>
 </file>
 
-<file path=customXml/itemProps2.xml><?xml version="1.0" encoding="utf-8"?>
-<ds:datastoreItem xmlns:ds="http://schemas.openxmlformats.org/officeDocument/2006/customXml" ds:itemID="{2AC6E67E-42B4-40AF-80F4-D98253E4E21A}">
-  <ds:schemaRefs>
-    <ds:schemaRef ds:uri="24937d34-002f-4836-b77c-e21f12df0152"/>
-    <ds:schemaRef ds:uri="http://schemas.microsoft.com/office/2006/metadata/properties"/>
-    <ds:schemaRef ds:uri="25b059c1-e0b1-4aae-b8e7-a9c1a20f7312"/>
-    <ds:schemaRef ds:uri="http://schemas.microsoft.com/office/2006/documentManagement/types"/>
-    <ds:schemaRef ds:uri="http://www.w3.org/XML/1998/namespace"/>
-    <ds:schemaRef ds:uri="http://purl.org/dc/terms/"/>
-    <ds:schemaRef ds:uri="http://schemas.microsoft.com/office/infopath/2007/PartnerControls"/>
-    <ds:schemaRef ds:uri="http://schemas.openxmlformats.org/package/2006/metadata/core-properties"/>
-    <ds:schemaRef ds:uri="http://purl.org/dc/dcmitype/"/>
-    <ds:schemaRef ds:uri="http://purl.org/dc/elements/1.1/"/>
-  </ds:schemaRefs>
-</ds:datastoreItem>
-</file>
-
 <file path=customXml/itemProps3.xml><?xml version="1.0" encoding="utf-8"?>
 <ds:datastoreItem xmlns:ds="http://schemas.openxmlformats.org/officeDocument/2006/customXml" ds:itemID="{FC7B288A-115F-4EDF-8326-05039CEE1DB1}">
   <ds:schemaRefs>
